--- a/17/bi3209_bioinformatics_student_symposium_202305122_v1.pptx
+++ b/17/bi3209_bioinformatics_student_symposium_202305122_v1.pptx
@@ -5,10 +5,10 @@
     <p:sldMasterId id="2147483648" r:id="rId1"/>
   </p:sldMasterIdLst>
   <p:notesMasterIdLst>
-    <p:notesMasterId r:id="rId10"/>
+    <p:notesMasterId r:id="rId17"/>
   </p:notesMasterIdLst>
   <p:handoutMasterIdLst>
-    <p:handoutMasterId r:id="rId11"/>
+    <p:handoutMasterId r:id="rId18"/>
   </p:handoutMasterIdLst>
   <p:sldIdLst>
     <p:sldId id="256" r:id="rId2"/>
@@ -18,7 +18,14 @@
     <p:sldId id="459" r:id="rId6"/>
     <p:sldId id="645" r:id="rId7"/>
     <p:sldId id="847" r:id="rId8"/>
-    <p:sldId id="487" r:id="rId9"/>
+    <p:sldId id="855" r:id="rId9"/>
+    <p:sldId id="856" r:id="rId10"/>
+    <p:sldId id="857" r:id="rId11"/>
+    <p:sldId id="854" r:id="rId12"/>
+    <p:sldId id="851" r:id="rId13"/>
+    <p:sldId id="852" r:id="rId14"/>
+    <p:sldId id="853" r:id="rId15"/>
+    <p:sldId id="487" r:id="rId16"/>
   </p:sldIdLst>
   <p:sldSz cx="9144000" cy="5143500" type="screen16x9"/>
   <p:notesSz cx="7315200" cy="12344400"/>
@@ -149,7 +156,7 @@
   </p:defaultTextStyle>
   <p:extLst>
     <p:ext uri="{EFAFB233-063F-42B5-8137-9DF3F51BA10A}">
-      <p15:sldGuideLst xmlns:p15="http://schemas.microsoft.com/office/powerpoint/2012/main" xmlns="">
+      <p15:sldGuideLst xmlns="" xmlns:p15="http://schemas.microsoft.com/office/powerpoint/2012/main">
         <p15:guide id="1" orient="horz" pos="1620">
           <p15:clr>
             <a:srgbClr val="A4A3A4"/>
@@ -249,7 +256,7 @@
             <a:fld id="{32836D55-C9C6-41FB-B0E7-05088DC87CF3}" type="datetimeFigureOut">
               <a:rPr lang="en-US" smtClean="0"/>
               <a:pPr/>
-              <a:t>2023-05-18</a:t>
+              <a:t>2023-05-19</a:t>
             </a:fld>
             <a:endParaRPr lang="en-US"/>
           </a:p>
@@ -325,7 +332,7 @@
     </p:spTree>
     <p:extLst>
       <p:ext uri="{BB962C8B-B14F-4D97-AF65-F5344CB8AC3E}">
-        <p14:creationId xmlns:p14="http://schemas.microsoft.com/office/powerpoint/2010/main" xmlns="" val="1"/>
+        <p14:creationId xmlns="" xmlns:p14="http://schemas.microsoft.com/office/powerpoint/2010/main" val="1"/>
       </p:ext>
     </p:extLst>
   </p:cSld>
@@ -427,7 +434,7 @@
               <a:pPr>
                 <a:defRPr/>
               </a:pPr>
-              <a:t>2023-05-18</a:t>
+              <a:t>2023-05-19</a:t>
             </a:fld>
             <a:endParaRPr lang="en-US"/>
           </a:p>
@@ -898,9 +905,96 @@
     </p:spTree>
     <p:extLst>
       <p:ext uri="{BB962C8B-B14F-4D97-AF65-F5344CB8AC3E}">
-        <p14:creationId xmlns:p14="http://schemas.microsoft.com/office/powerpoint/2010/main" xmlns="" val="1241824514"/>
+        <p14:creationId xmlns="" xmlns:p14="http://schemas.microsoft.com/office/powerpoint/2010/main" val="1241824514"/>
       </p:ext>
     </p:extLst>
+  </p:cSld>
+  <p:clrMapOvr>
+    <a:masterClrMapping/>
+  </p:clrMapOvr>
+</p:notes>
+</file>
+
+<file path=ppt/notesSlides/notesSlide3.xml><?xml version="1.0" encoding="utf-8"?>
+<p:notes xmlns:a="http://schemas.openxmlformats.org/drawingml/2006/main" xmlns:r="http://schemas.openxmlformats.org/officeDocument/2006/relationships" xmlns:p="http://schemas.openxmlformats.org/presentationml/2006/main">
+  <p:cSld>
+    <p:spTree>
+      <p:nvGrpSpPr>
+        <p:cNvPr id="1" name=""/>
+        <p:cNvGrpSpPr/>
+        <p:nvPr/>
+      </p:nvGrpSpPr>
+      <p:grpSpPr>
+        <a:xfrm>
+          <a:off x="0" y="0"/>
+          <a:ext cx="0" cy="0"/>
+          <a:chOff x="0" y="0"/>
+          <a:chExt cx="0" cy="0"/>
+        </a:xfrm>
+      </p:grpSpPr>
+      <p:sp>
+        <p:nvSpPr>
+          <p:cNvPr id="2" name="Slide Image Placeholder 1"/>
+          <p:cNvSpPr>
+            <a:spLocks noGrp="1" noRot="1" noChangeAspect="1"/>
+          </p:cNvSpPr>
+          <p:nvPr>
+            <p:ph type="sldImg"/>
+          </p:nvPr>
+        </p:nvSpPr>
+        <p:spPr/>
+      </p:sp>
+      <p:sp>
+        <p:nvSpPr>
+          <p:cNvPr id="3" name="Notes Placeholder 2"/>
+          <p:cNvSpPr>
+            <a:spLocks noGrp="1"/>
+          </p:cNvSpPr>
+          <p:nvPr>
+            <p:ph type="body" idx="1"/>
+          </p:nvPr>
+        </p:nvSpPr>
+        <p:spPr/>
+        <p:txBody>
+          <a:bodyPr>
+            <a:normAutofit/>
+          </a:bodyPr>
+          <a:lstStyle/>
+          <a:p>
+            <a:endParaRPr lang="en-US"/>
+          </a:p>
+        </p:txBody>
+      </p:sp>
+      <p:sp>
+        <p:nvSpPr>
+          <p:cNvPr id="4" name="Slide Number Placeholder 3"/>
+          <p:cNvSpPr>
+            <a:spLocks noGrp="1"/>
+          </p:cNvSpPr>
+          <p:nvPr>
+            <p:ph type="sldNum" sz="quarter" idx="10"/>
+          </p:nvPr>
+        </p:nvSpPr>
+        <p:spPr/>
+        <p:txBody>
+          <a:bodyPr/>
+          <a:lstStyle/>
+          <a:p>
+            <a:pPr>
+              <a:defRPr/>
+            </a:pPr>
+            <a:fld id="{09AF5637-508C-4270-9C07-7A6F74887777}" type="slidenum">
+              <a:rPr lang="en-US" smtClean="0"/>
+              <a:pPr>
+                <a:defRPr/>
+              </a:pPr>
+              <a:t>13</a:t>
+            </a:fld>
+            <a:endParaRPr lang="en-US"/>
+          </a:p>
+        </p:txBody>
+      </p:sp>
+    </p:spTree>
   </p:cSld>
   <p:clrMapOvr>
     <a:masterClrMapping/>
@@ -4647,15 +4741,7 @@
             <a:pPr eaLnBrk="1" hangingPunct="1"/>
             <a:r>
               <a:rPr lang="en-US" sz="4800" smtClean="0"/>
-              <a:t>Pemodelan dan </a:t>
-            </a:r>
-            <a:r>
-              <a:rPr lang="en-US" sz="4800" smtClean="0"/>
-              <a:t>s</a:t>
-            </a:r>
-            <a:r>
-              <a:rPr lang="en-US" sz="4800" smtClean="0"/>
-              <a:t>imulasi</a:t>
+              <a:t>Pemodelan dan simulasi</a:t>
             </a:r>
             <a:r>
               <a:rPr lang="en-US" sz="4800"/>
@@ -4885,7 +4971,7 @@
           <p:cNvPr id="2" name="Footer Placeholder 1">
             <a:extLst>
               <a:ext uri="{FF2B5EF4-FFF2-40B4-BE49-F238E27FC236}">
-                <a16:creationId xmlns:a16="http://schemas.microsoft.com/office/drawing/2014/main" xmlns="" id="{4992D2FF-F5E1-0E05-B60F-B75B2BAA045E}"/>
+                <a16:creationId xmlns="" xmlns:a16="http://schemas.microsoft.com/office/drawing/2014/main" id="{4992D2FF-F5E1-0E05-B60F-B75B2BAA045E}"/>
               </a:ext>
             </a:extLst>
           </p:cNvPr>
@@ -4916,6 +5002,1428 @@
   <p:clrMapOvr>
     <a:masterClrMapping/>
   </p:clrMapOvr>
+</p:sld>
+</file>
+
+<file path=ppt/slides/slide10.xml><?xml version="1.0" encoding="utf-8"?>
+<p:sld xmlns:a="http://schemas.openxmlformats.org/drawingml/2006/main" xmlns:r="http://schemas.openxmlformats.org/officeDocument/2006/relationships" xmlns:p="http://schemas.openxmlformats.org/presentationml/2006/main">
+  <p:cSld>
+    <p:spTree>
+      <p:nvGrpSpPr>
+        <p:cNvPr id="1" name=""/>
+        <p:cNvGrpSpPr/>
+        <p:nvPr/>
+      </p:nvGrpSpPr>
+      <p:grpSpPr>
+        <a:xfrm>
+          <a:off x="0" y="0"/>
+          <a:ext cx="0" cy="0"/>
+          <a:chOff x="0" y="0"/>
+          <a:chExt cx="0" cy="0"/>
+        </a:xfrm>
+      </p:grpSpPr>
+      <p:sp>
+        <p:nvSpPr>
+          <p:cNvPr id="2" name="Title 1"/>
+          <p:cNvSpPr>
+            <a:spLocks noGrp="1"/>
+          </p:cNvSpPr>
+          <p:nvPr>
+            <p:ph type="title"/>
+          </p:nvPr>
+        </p:nvSpPr>
+        <p:spPr/>
+        <p:txBody>
+          <a:bodyPr/>
+          <a:lstStyle/>
+          <a:p>
+            <a:r>
+              <a:rPr lang="en-US" smtClean="0"/>
+              <a:t>Simulation (lanj.)</a:t>
+            </a:r>
+            <a:endParaRPr lang="en-US"/>
+          </a:p>
+        </p:txBody>
+      </p:sp>
+      <p:sp>
+        <p:nvSpPr>
+          <p:cNvPr id="3" name="Content Placeholder 2"/>
+          <p:cNvSpPr>
+            <a:spLocks noGrp="1"/>
+          </p:cNvSpPr>
+          <p:nvPr>
+            <p:ph idx="1"/>
+          </p:nvPr>
+        </p:nvSpPr>
+        <p:spPr/>
+        <p:txBody>
+          <a:bodyPr/>
+          <a:lstStyle/>
+          <a:p>
+            <a:r>
+              <a:rPr lang="en-US" smtClean="0"/>
+              <a:t>Simulations allow evaluating a model to optimize system performance or to make predictions about a </a:t>
+            </a:r>
+            <a:r>
+              <a:rPr lang="en-US" smtClean="0"/>
+              <a:t>real </a:t>
+            </a:r>
+            <a:r>
+              <a:rPr lang="en-US" smtClean="0"/>
+              <a:t>system.</a:t>
+            </a:r>
+          </a:p>
+          <a:p>
+            <a:r>
+              <a:rPr lang="en-US" smtClean="0"/>
+              <a:t>Simulations </a:t>
+            </a:r>
+            <a:r>
+              <a:rPr lang="en-US" smtClean="0"/>
+              <a:t>are useful to study properties of a model of a real-life system that would otherwise be too complex, too large/small, too fast/slow, not accessible, too dangerous or unacceptable </a:t>
+            </a:r>
+            <a:r>
+              <a:rPr lang="en-US" smtClean="0"/>
+              <a:t>to </a:t>
+            </a:r>
+            <a:r>
+              <a:rPr lang="en-US" smtClean="0"/>
+              <a:t>engage.</a:t>
+            </a:r>
+          </a:p>
+          <a:p>
+            <a:r>
+              <a:rPr lang="en-US" smtClean="0"/>
+              <a:t>While </a:t>
+            </a:r>
+            <a:r>
+              <a:rPr lang="en-US" smtClean="0"/>
+              <a:t>a model aims to be true to the system it represents, a simulation can use a model to explore states that would not be possible in the original </a:t>
+            </a:r>
+            <a:r>
+              <a:rPr lang="en-US" smtClean="0"/>
+              <a:t>system</a:t>
+            </a:r>
+            <a:r>
+              <a:rPr lang="en-US" smtClean="0"/>
+              <a:t>.</a:t>
+            </a:r>
+            <a:endParaRPr lang="en-US" smtClean="0"/>
+          </a:p>
+        </p:txBody>
+      </p:sp>
+      <p:sp>
+        <p:nvSpPr>
+          <p:cNvPr id="4" name="Date Placeholder 3"/>
+          <p:cNvSpPr>
+            <a:spLocks noGrp="1"/>
+          </p:cNvSpPr>
+          <p:nvPr>
+            <p:ph type="dt" sz="half" idx="10"/>
+          </p:nvPr>
+        </p:nvSpPr>
+        <p:spPr/>
+        <p:txBody>
+          <a:bodyPr/>
+          <a:lstStyle/>
+          <a:p>
+            <a:pPr>
+              <a:defRPr/>
+            </a:pPr>
+            <a:r>
+              <a:rPr lang="en-US" smtClean="0"/>
+              <a:t>BI3209 Pengantar Bioinformatika untuk Biologi</a:t>
+            </a:r>
+            <a:endParaRPr lang="en-US"/>
+          </a:p>
+        </p:txBody>
+      </p:sp>
+      <p:sp>
+        <p:nvSpPr>
+          <p:cNvPr id="5" name="Footer Placeholder 4"/>
+          <p:cNvSpPr>
+            <a:spLocks noGrp="1"/>
+          </p:cNvSpPr>
+          <p:nvPr>
+            <p:ph type="ftr" sz="quarter" idx="11"/>
+          </p:nvPr>
+        </p:nvSpPr>
+        <p:spPr/>
+        <p:txBody>
+          <a:bodyPr/>
+          <a:lstStyle/>
+          <a:p>
+            <a:pPr>
+              <a:defRPr/>
+            </a:pPr>
+            <a:r>
+              <a:rPr lang="en-US" smtClean="0"/>
+              <a:t>2023-05-22 | Auditorium CC Timur | ITB Ganesha</a:t>
+            </a:r>
+            <a:endParaRPr lang="en-US"/>
+          </a:p>
+        </p:txBody>
+      </p:sp>
+      <p:sp>
+        <p:nvSpPr>
+          <p:cNvPr id="6" name="Slide Number Placeholder 5"/>
+          <p:cNvSpPr>
+            <a:spLocks noGrp="1"/>
+          </p:cNvSpPr>
+          <p:nvPr>
+            <p:ph type="sldNum" sz="quarter" idx="12"/>
+          </p:nvPr>
+        </p:nvSpPr>
+        <p:spPr/>
+        <p:txBody>
+          <a:bodyPr/>
+          <a:lstStyle/>
+          <a:p>
+            <a:pPr>
+              <a:defRPr/>
+            </a:pPr>
+            <a:fld id="{F076344D-F0A0-4571-8A46-686886838267}" type="slidenum">
+              <a:rPr lang="en-US" smtClean="0"/>
+              <a:pPr>
+                <a:defRPr/>
+              </a:pPr>
+              <a:t>10</a:t>
+            </a:fld>
+            <a:endParaRPr lang="en-US"/>
+          </a:p>
+        </p:txBody>
+      </p:sp>
+    </p:spTree>
+  </p:cSld>
+  <p:clrMapOvr>
+    <a:masterClrMapping/>
+  </p:clrMapOvr>
+</p:sld>
+</file>
+
+<file path=ppt/slides/slide11.xml><?xml version="1.0" encoding="utf-8"?>
+<p:sld xmlns:a="http://schemas.openxmlformats.org/drawingml/2006/main" xmlns:r="http://schemas.openxmlformats.org/officeDocument/2006/relationships" xmlns:p="http://schemas.openxmlformats.org/presentationml/2006/main">
+  <p:cSld>
+    <p:spTree>
+      <p:nvGrpSpPr>
+        <p:cNvPr id="1" name=""/>
+        <p:cNvGrpSpPr/>
+        <p:nvPr/>
+      </p:nvGrpSpPr>
+      <p:grpSpPr>
+        <a:xfrm>
+          <a:off x="0" y="0"/>
+          <a:ext cx="0" cy="0"/>
+          <a:chOff x="0" y="0"/>
+          <a:chExt cx="0" cy="0"/>
+        </a:xfrm>
+      </p:grpSpPr>
+      <p:sp>
+        <p:nvSpPr>
+          <p:cNvPr id="4" name="Date Placeholder 3"/>
+          <p:cNvSpPr>
+            <a:spLocks noGrp="1"/>
+          </p:cNvSpPr>
+          <p:nvPr>
+            <p:ph type="dt" sz="half" idx="10"/>
+          </p:nvPr>
+        </p:nvSpPr>
+        <p:spPr/>
+        <p:txBody>
+          <a:bodyPr/>
+          <a:lstStyle/>
+          <a:p>
+            <a:pPr>
+              <a:defRPr/>
+            </a:pPr>
+            <a:r>
+              <a:rPr lang="en-US"/>
+              <a:t>BI3209 Pengantar Bioinformatika untuk Biologi</a:t>
+            </a:r>
+          </a:p>
+        </p:txBody>
+      </p:sp>
+      <p:sp>
+        <p:nvSpPr>
+          <p:cNvPr id="5" name="Footer Placeholder 4"/>
+          <p:cNvSpPr>
+            <a:spLocks noGrp="1"/>
+          </p:cNvSpPr>
+          <p:nvPr>
+            <p:ph type="ftr" sz="quarter" idx="11"/>
+          </p:nvPr>
+        </p:nvSpPr>
+        <p:spPr/>
+        <p:txBody>
+          <a:bodyPr/>
+          <a:lstStyle/>
+          <a:p>
+            <a:pPr>
+              <a:defRPr/>
+            </a:pPr>
+            <a:r>
+              <a:rPr lang="en-US"/>
+              <a:t>2023-05-22 | Auditorium CC Timur | ITB Ganesha</a:t>
+            </a:r>
+          </a:p>
+        </p:txBody>
+      </p:sp>
+      <p:sp>
+        <p:nvSpPr>
+          <p:cNvPr id="6" name="Slide Number Placeholder 5"/>
+          <p:cNvSpPr>
+            <a:spLocks noGrp="1"/>
+          </p:cNvSpPr>
+          <p:nvPr>
+            <p:ph type="sldNum" sz="quarter" idx="12"/>
+          </p:nvPr>
+        </p:nvSpPr>
+        <p:spPr/>
+        <p:txBody>
+          <a:bodyPr/>
+          <a:lstStyle/>
+          <a:p>
+            <a:pPr>
+              <a:defRPr/>
+            </a:pPr>
+            <a:fld id="{F076344D-F0A0-4571-8A46-686886838267}" type="slidenum">
+              <a:rPr lang="en-US" smtClean="0"/>
+              <a:pPr>
+                <a:defRPr/>
+              </a:pPr>
+              <a:t>11</a:t>
+            </a:fld>
+            <a:endParaRPr lang="en-US"/>
+          </a:p>
+        </p:txBody>
+      </p:sp>
+      <p:sp>
+        <p:nvSpPr>
+          <p:cNvPr id="9" name="Subtitle 2"/>
+          <p:cNvSpPr>
+            <a:spLocks/>
+          </p:cNvSpPr>
+          <p:nvPr/>
+        </p:nvSpPr>
+        <p:spPr bwMode="auto">
+          <a:xfrm>
+            <a:off x="3581399" y="3105150"/>
+            <a:ext cx="5105401" cy="952500"/>
+          </a:xfrm>
+          <a:prstGeom prst="rect">
+            <a:avLst/>
+          </a:prstGeom>
+          <a:noFill/>
+          <a:ln w="9525">
+            <a:noFill/>
+            <a:miter lim="800000"/>
+            <a:headEnd/>
+            <a:tailEnd/>
+          </a:ln>
+        </p:spPr>
+        <p:txBody>
+          <a:bodyPr/>
+          <a:lstStyle/>
+          <a:p>
+            <a:pPr algn="r">
+              <a:lnSpc>
+                <a:spcPct val="80000"/>
+              </a:lnSpc>
+              <a:spcBef>
+                <a:spcPct val="20000"/>
+              </a:spcBef>
+              <a:buFont typeface="Arial" charset="0"/>
+              <a:buNone/>
+            </a:pPr>
+            <a:r>
+              <a:rPr lang="en-US" sz="2800" b="1" smtClean="0">
+                <a:solidFill>
+                  <a:schemeClr val="bg1"/>
+                </a:solidFill>
+                <a:latin typeface="Calibri" pitchFamily="34" charset="0"/>
+              </a:rPr>
+              <a:t>Akurasi dan kesederhanaan</a:t>
+            </a:r>
+            <a:endParaRPr lang="en-US" sz="2800" b="1">
+              <a:solidFill>
+                <a:schemeClr val="bg1"/>
+              </a:solidFill>
+              <a:latin typeface="Calibri" pitchFamily="34" charset="0"/>
+            </a:endParaRPr>
+          </a:p>
+        </p:txBody>
+      </p:sp>
+    </p:spTree>
+  </p:cSld>
+  <p:clrMapOvr>
+    <a:masterClrMapping/>
+  </p:clrMapOvr>
+</p:sld>
+</file>
+
+<file path=ppt/slides/slide12.xml><?xml version="1.0" encoding="utf-8"?>
+<p:sld xmlns:a="http://schemas.openxmlformats.org/drawingml/2006/main" xmlns:r="http://schemas.openxmlformats.org/officeDocument/2006/relationships" xmlns:p="http://schemas.openxmlformats.org/presentationml/2006/main">
+  <p:cSld>
+    <p:spTree>
+      <p:nvGrpSpPr>
+        <p:cNvPr id="1" name=""/>
+        <p:cNvGrpSpPr/>
+        <p:nvPr/>
+      </p:nvGrpSpPr>
+      <p:grpSpPr>
+        <a:xfrm>
+          <a:off x="0" y="0"/>
+          <a:ext cx="0" cy="0"/>
+          <a:chOff x="0" y="0"/>
+          <a:chExt cx="0" cy="0"/>
+        </a:xfrm>
+      </p:grpSpPr>
+      <p:sp>
+        <p:nvSpPr>
+          <p:cNvPr id="2" name="Title 1">
+            <a:extLst>
+              <a:ext uri="{FF2B5EF4-FFF2-40B4-BE49-F238E27FC236}">
+                <a16:creationId xmlns="" xmlns:a16="http://schemas.microsoft.com/office/drawing/2014/main" id="{F3BAA570-3E27-DC6D-135F-F1BE3CF0505A}"/>
+              </a:ext>
+            </a:extLst>
+          </p:cNvPr>
+          <p:cNvSpPr>
+            <a:spLocks noGrp="1"/>
+          </p:cNvSpPr>
+          <p:nvPr>
+            <p:ph type="title"/>
+          </p:nvPr>
+        </p:nvSpPr>
+        <p:spPr/>
+        <p:txBody>
+          <a:bodyPr/>
+          <a:lstStyle/>
+          <a:p>
+            <a:r>
+              <a:rPr lang="en-ID" smtClean="0"/>
+              <a:t>Accuracy vs simplicity</a:t>
+            </a:r>
+            <a:endParaRPr lang="en-ID"/>
+          </a:p>
+        </p:txBody>
+      </p:sp>
+      <p:sp>
+        <p:nvSpPr>
+          <p:cNvPr id="3" name="Content Placeholder 2">
+            <a:extLst>
+              <a:ext uri="{FF2B5EF4-FFF2-40B4-BE49-F238E27FC236}">
+                <a16:creationId xmlns="" xmlns:a16="http://schemas.microsoft.com/office/drawing/2014/main" id="{669B17EF-8078-EDAC-281A-9226C10F7329}"/>
+              </a:ext>
+            </a:extLst>
+          </p:cNvPr>
+          <p:cNvSpPr>
+            <a:spLocks noGrp="1"/>
+          </p:cNvSpPr>
+          <p:nvPr>
+            <p:ph idx="1"/>
+          </p:nvPr>
+        </p:nvSpPr>
+        <p:spPr/>
+        <p:txBody>
+          <a:bodyPr/>
+          <a:lstStyle/>
+          <a:p>
+            <a:r>
+              <a:rPr lang="en-ID" smtClean="0"/>
+              <a:t>Accuracy </a:t>
+            </a:r>
+            <a:r>
+              <a:rPr lang="en-ID" smtClean="0"/>
+              <a:t>vs</a:t>
+            </a:r>
+            <a:r>
+              <a:rPr lang="en-ID" smtClean="0"/>
+              <a:t>. Simplicity: A </a:t>
+            </a:r>
+            <a:r>
+              <a:rPr lang="en-ID" smtClean="0"/>
+              <a:t>Complex </a:t>
+            </a:r>
+            <a:r>
+              <a:rPr lang="en-ID" smtClean="0"/>
+              <a:t>Trade-Off (E</a:t>
+            </a:r>
+            <a:r>
+              <a:rPr lang="en-ID" smtClean="0"/>
+              <a:t>. </a:t>
+            </a:r>
+            <a:r>
+              <a:rPr lang="en-ID" smtClean="0"/>
+              <a:t>Aragones, I. Gilboa, A. Postlewatite, D. Schmeidler, 2002).</a:t>
+            </a:r>
+          </a:p>
+          <a:p>
+            <a:r>
+              <a:rPr lang="en-ID" smtClean="0"/>
+              <a:t>Simplicity and Accuracy Trade-Off in Science: Simple metric for model selection (P. Niinen, 2013).</a:t>
+            </a:r>
+          </a:p>
+          <a:p>
+            <a:r>
+              <a:rPr lang="en-ID" smtClean="0"/>
+              <a:t>An Analysis of Accuracy and Simplicity in Relation </a:t>
+            </a:r>
+            <a:r>
+              <a:rPr lang="en-ID" smtClean="0"/>
+              <a:t>to </a:t>
+            </a:r>
+            <a:r>
+              <a:rPr lang="en-ID" smtClean="0"/>
+              <a:t>Knowledge (Kibin, 2023).</a:t>
+            </a:r>
+          </a:p>
+          <a:p>
+            <a:r>
+              <a:rPr lang="en-ID" smtClean="0"/>
+              <a:t>Simplicity vs Complexity in Machine Learning — Finding the </a:t>
+            </a:r>
+            <a:r>
+              <a:rPr lang="en-ID" smtClean="0"/>
+              <a:t>Right </a:t>
+            </a:r>
+            <a:r>
+              <a:rPr lang="en-ID" smtClean="0"/>
+              <a:t>Balance (</a:t>
+            </a:r>
+            <a:r>
+              <a:rPr lang="en-ID" smtClean="0"/>
+              <a:t>Tayo, 2019).</a:t>
+            </a:r>
+            <a:endParaRPr lang="en-ID"/>
+          </a:p>
+        </p:txBody>
+      </p:sp>
+      <p:sp>
+        <p:nvSpPr>
+          <p:cNvPr id="4" name="Date Placeholder 3">
+            <a:extLst>
+              <a:ext uri="{FF2B5EF4-FFF2-40B4-BE49-F238E27FC236}">
+                <a16:creationId xmlns="" xmlns:a16="http://schemas.microsoft.com/office/drawing/2014/main" id="{D30C2E71-D87E-B262-2244-6D5E605B73A5}"/>
+              </a:ext>
+            </a:extLst>
+          </p:cNvPr>
+          <p:cNvSpPr>
+            <a:spLocks noGrp="1"/>
+          </p:cNvSpPr>
+          <p:nvPr>
+            <p:ph type="dt" sz="half" idx="10"/>
+          </p:nvPr>
+        </p:nvSpPr>
+        <p:spPr/>
+        <p:txBody>
+          <a:bodyPr/>
+          <a:lstStyle/>
+          <a:p>
+            <a:pPr>
+              <a:defRPr/>
+            </a:pPr>
+            <a:r>
+              <a:rPr lang="en-US"/>
+              <a:t>BI3209 Pengantar Bioinformatika untuk Biologi</a:t>
+            </a:r>
+          </a:p>
+        </p:txBody>
+      </p:sp>
+      <p:sp>
+        <p:nvSpPr>
+          <p:cNvPr id="5" name="Footer Placeholder 4">
+            <a:extLst>
+              <a:ext uri="{FF2B5EF4-FFF2-40B4-BE49-F238E27FC236}">
+                <a16:creationId xmlns="" xmlns:a16="http://schemas.microsoft.com/office/drawing/2014/main" id="{4A76AE04-B451-3CE5-CF37-A00CA5C61DFD}"/>
+              </a:ext>
+            </a:extLst>
+          </p:cNvPr>
+          <p:cNvSpPr>
+            <a:spLocks noGrp="1"/>
+          </p:cNvSpPr>
+          <p:nvPr>
+            <p:ph type="ftr" sz="quarter" idx="11"/>
+          </p:nvPr>
+        </p:nvSpPr>
+        <p:spPr/>
+        <p:txBody>
+          <a:bodyPr/>
+          <a:lstStyle/>
+          <a:p>
+            <a:pPr>
+              <a:defRPr/>
+            </a:pPr>
+            <a:r>
+              <a:rPr lang="en-US"/>
+              <a:t>2023-05-22 | Auditorium CC Timur | ITB Ganesha</a:t>
+            </a:r>
+          </a:p>
+        </p:txBody>
+      </p:sp>
+      <p:sp>
+        <p:nvSpPr>
+          <p:cNvPr id="6" name="Slide Number Placeholder 5">
+            <a:extLst>
+              <a:ext uri="{FF2B5EF4-FFF2-40B4-BE49-F238E27FC236}">
+                <a16:creationId xmlns="" xmlns:a16="http://schemas.microsoft.com/office/drawing/2014/main" id="{F38DC82C-9EE6-9952-3B48-9601BBC592F8}"/>
+              </a:ext>
+            </a:extLst>
+          </p:cNvPr>
+          <p:cNvSpPr>
+            <a:spLocks noGrp="1"/>
+          </p:cNvSpPr>
+          <p:nvPr>
+            <p:ph type="sldNum" sz="quarter" idx="12"/>
+          </p:nvPr>
+        </p:nvSpPr>
+        <p:spPr/>
+        <p:txBody>
+          <a:bodyPr/>
+          <a:lstStyle/>
+          <a:p>
+            <a:pPr>
+              <a:defRPr/>
+            </a:pPr>
+            <a:fld id="{F076344D-F0A0-4571-8A46-686886838267}" type="slidenum">
+              <a:rPr lang="en-US" smtClean="0"/>
+              <a:pPr>
+                <a:defRPr/>
+              </a:pPr>
+              <a:t>12</a:t>
+            </a:fld>
+            <a:endParaRPr lang="en-US"/>
+          </a:p>
+        </p:txBody>
+      </p:sp>
+      <p:sp>
+        <p:nvSpPr>
+          <p:cNvPr id="7" name="Rectangle 6">
+            <a:hlinkClick r:id="rId2"/>
+          </p:cNvPr>
+          <p:cNvSpPr/>
+          <p:nvPr/>
+        </p:nvSpPr>
+        <p:spPr>
+          <a:xfrm>
+            <a:off x="6465849" y="1635048"/>
+            <a:ext cx="533400" cy="304800"/>
+          </a:xfrm>
+          <a:prstGeom prst="rect">
+            <a:avLst/>
+          </a:prstGeom>
+          <a:noFill/>
+          <a:ln>
+            <a:noFill/>
+          </a:ln>
+        </p:spPr>
+        <p:style>
+          <a:lnRef idx="2">
+            <a:schemeClr val="accent1">
+              <a:shade val="50000"/>
+            </a:schemeClr>
+          </a:lnRef>
+          <a:fillRef idx="1">
+            <a:schemeClr val="accent1"/>
+          </a:fillRef>
+          <a:effectRef idx="0">
+            <a:schemeClr val="accent1"/>
+          </a:effectRef>
+          <a:fontRef idx="minor">
+            <a:schemeClr val="lt1"/>
+          </a:fontRef>
+        </p:style>
+        <p:txBody>
+          <a:bodyPr rtlCol="0" anchor="ctr"/>
+          <a:lstStyle/>
+          <a:p>
+            <a:pPr algn="ctr"/>
+            <a:r>
+              <a:rPr lang="en-US" sz="1400" smtClean="0">
+                <a:solidFill>
+                  <a:srgbClr val="0070C0"/>
+                </a:solidFill>
+                <a:latin typeface="Consolas" pitchFamily="49" charset="0"/>
+              </a:rPr>
+              <a:t>pdf</a:t>
+            </a:r>
+            <a:endParaRPr lang="en-US" sz="1400">
+              <a:solidFill>
+                <a:srgbClr val="0070C0"/>
+              </a:solidFill>
+              <a:latin typeface="Consolas" pitchFamily="49" charset="0"/>
+            </a:endParaRPr>
+          </a:p>
+        </p:txBody>
+      </p:sp>
+      <p:sp>
+        <p:nvSpPr>
+          <p:cNvPr id="8" name="Rectangle 7">
+            <a:hlinkClick r:id="rId3"/>
+          </p:cNvPr>
+          <p:cNvSpPr/>
+          <p:nvPr/>
+        </p:nvSpPr>
+        <p:spPr>
+          <a:xfrm>
+            <a:off x="5454804" y="2462097"/>
+            <a:ext cx="533400" cy="304800"/>
+          </a:xfrm>
+          <a:prstGeom prst="rect">
+            <a:avLst/>
+          </a:prstGeom>
+          <a:noFill/>
+          <a:ln>
+            <a:noFill/>
+          </a:ln>
+        </p:spPr>
+        <p:style>
+          <a:lnRef idx="2">
+            <a:schemeClr val="accent1">
+              <a:shade val="50000"/>
+            </a:schemeClr>
+          </a:lnRef>
+          <a:fillRef idx="1">
+            <a:schemeClr val="accent1"/>
+          </a:fillRef>
+          <a:effectRef idx="0">
+            <a:schemeClr val="accent1"/>
+          </a:effectRef>
+          <a:fontRef idx="minor">
+            <a:schemeClr val="lt1"/>
+          </a:fontRef>
+        </p:style>
+        <p:txBody>
+          <a:bodyPr rtlCol="0" anchor="ctr"/>
+          <a:lstStyle/>
+          <a:p>
+            <a:pPr algn="ctr"/>
+            <a:r>
+              <a:rPr lang="en-US" sz="1400" smtClean="0">
+                <a:solidFill>
+                  <a:srgbClr val="0070C0"/>
+                </a:solidFill>
+                <a:latin typeface="Consolas" pitchFamily="49" charset="0"/>
+              </a:rPr>
+              <a:t>pdf</a:t>
+            </a:r>
+            <a:endParaRPr lang="en-US" sz="1400">
+              <a:solidFill>
+                <a:srgbClr val="0070C0"/>
+              </a:solidFill>
+              <a:latin typeface="Consolas" pitchFamily="49" charset="0"/>
+            </a:endParaRPr>
+          </a:p>
+        </p:txBody>
+      </p:sp>
+      <p:sp>
+        <p:nvSpPr>
+          <p:cNvPr id="9" name="Rectangle 8">
+            <a:hlinkClick r:id="rId4"/>
+          </p:cNvPr>
+          <p:cNvSpPr/>
+          <p:nvPr/>
+        </p:nvSpPr>
+        <p:spPr>
+          <a:xfrm>
+            <a:off x="3962400" y="3257550"/>
+            <a:ext cx="609600" cy="304800"/>
+          </a:xfrm>
+          <a:prstGeom prst="rect">
+            <a:avLst/>
+          </a:prstGeom>
+          <a:noFill/>
+          <a:ln>
+            <a:noFill/>
+          </a:ln>
+        </p:spPr>
+        <p:style>
+          <a:lnRef idx="2">
+            <a:schemeClr val="accent1">
+              <a:shade val="50000"/>
+            </a:schemeClr>
+          </a:lnRef>
+          <a:fillRef idx="1">
+            <a:schemeClr val="accent1"/>
+          </a:fillRef>
+          <a:effectRef idx="0">
+            <a:schemeClr val="accent1"/>
+          </a:effectRef>
+          <a:fontRef idx="minor">
+            <a:schemeClr val="lt1"/>
+          </a:fontRef>
+        </p:style>
+        <p:txBody>
+          <a:bodyPr rtlCol="0" anchor="ctr"/>
+          <a:lstStyle/>
+          <a:p>
+            <a:pPr algn="ctr"/>
+            <a:r>
+              <a:rPr lang="en-US" sz="1400" smtClean="0">
+                <a:solidFill>
+                  <a:srgbClr val="0070C0"/>
+                </a:solidFill>
+                <a:latin typeface="Consolas" pitchFamily="49" charset="0"/>
+              </a:rPr>
+              <a:t>html</a:t>
+            </a:r>
+            <a:endParaRPr lang="en-US" sz="1400">
+              <a:solidFill>
+                <a:srgbClr val="0070C0"/>
+              </a:solidFill>
+              <a:latin typeface="Consolas" pitchFamily="49" charset="0"/>
+            </a:endParaRPr>
+          </a:p>
+        </p:txBody>
+      </p:sp>
+      <p:sp>
+        <p:nvSpPr>
+          <p:cNvPr id="10" name="Rectangle 9">
+            <a:hlinkClick r:id="rId5"/>
+          </p:cNvPr>
+          <p:cNvSpPr/>
+          <p:nvPr/>
+        </p:nvSpPr>
+        <p:spPr>
+          <a:xfrm>
+            <a:off x="4213302" y="4062297"/>
+            <a:ext cx="609600" cy="304800"/>
+          </a:xfrm>
+          <a:prstGeom prst="rect">
+            <a:avLst/>
+          </a:prstGeom>
+          <a:noFill/>
+          <a:ln>
+            <a:noFill/>
+          </a:ln>
+        </p:spPr>
+        <p:style>
+          <a:lnRef idx="2">
+            <a:schemeClr val="accent1">
+              <a:shade val="50000"/>
+            </a:schemeClr>
+          </a:lnRef>
+          <a:fillRef idx="1">
+            <a:schemeClr val="accent1"/>
+          </a:fillRef>
+          <a:effectRef idx="0">
+            <a:schemeClr val="accent1"/>
+          </a:effectRef>
+          <a:fontRef idx="minor">
+            <a:schemeClr val="lt1"/>
+          </a:fontRef>
+        </p:style>
+        <p:txBody>
+          <a:bodyPr rtlCol="0" anchor="ctr"/>
+          <a:lstStyle/>
+          <a:p>
+            <a:pPr algn="ctr"/>
+            <a:r>
+              <a:rPr lang="en-US" sz="1400" smtClean="0">
+                <a:solidFill>
+                  <a:srgbClr val="0070C0"/>
+                </a:solidFill>
+                <a:latin typeface="Consolas" pitchFamily="49" charset="0"/>
+              </a:rPr>
+              <a:t>html</a:t>
+            </a:r>
+            <a:endParaRPr lang="en-US" sz="1400">
+              <a:solidFill>
+                <a:srgbClr val="0070C0"/>
+              </a:solidFill>
+              <a:latin typeface="Consolas" pitchFamily="49" charset="0"/>
+            </a:endParaRPr>
+          </a:p>
+        </p:txBody>
+      </p:sp>
+    </p:spTree>
+    <p:extLst>
+      <p:ext uri="{BB962C8B-B14F-4D97-AF65-F5344CB8AC3E}">
+        <p14:creationId xmlns="" xmlns:p14="http://schemas.microsoft.com/office/powerpoint/2010/main" val="357557416"/>
+      </p:ext>
+    </p:extLst>
+  </p:cSld>
+  <p:clrMapOvr>
+    <a:masterClrMapping/>
+  </p:clrMapOvr>
+  <p:timing>
+    <p:tnLst>
+      <p:par>
+        <p:cTn id="1" dur="indefinite" restart="never" nodeType="tmRoot"/>
+      </p:par>
+    </p:tnLst>
+  </p:timing>
+</p:sld>
+</file>
+
+<file path=ppt/slides/slide13.xml><?xml version="1.0" encoding="utf-8"?>
+<p:sld xmlns:a="http://schemas.openxmlformats.org/drawingml/2006/main" xmlns:r="http://schemas.openxmlformats.org/officeDocument/2006/relationships" xmlns:p="http://schemas.openxmlformats.org/presentationml/2006/main">
+  <p:cSld>
+    <p:spTree>
+      <p:nvGrpSpPr>
+        <p:cNvPr id="1" name=""/>
+        <p:cNvGrpSpPr/>
+        <p:nvPr/>
+      </p:nvGrpSpPr>
+      <p:grpSpPr>
+        <a:xfrm>
+          <a:off x="0" y="0"/>
+          <a:ext cx="0" cy="0"/>
+          <a:chOff x="0" y="0"/>
+          <a:chExt cx="0" cy="0"/>
+        </a:xfrm>
+      </p:grpSpPr>
+      <p:sp>
+        <p:nvSpPr>
+          <p:cNvPr id="4" name="Date Placeholder 3"/>
+          <p:cNvSpPr>
+            <a:spLocks noGrp="1"/>
+          </p:cNvSpPr>
+          <p:nvPr>
+            <p:ph type="dt" sz="half" idx="10"/>
+          </p:nvPr>
+        </p:nvSpPr>
+        <p:spPr/>
+        <p:txBody>
+          <a:bodyPr/>
+          <a:lstStyle/>
+          <a:p>
+            <a:pPr>
+              <a:defRPr/>
+            </a:pPr>
+            <a:r>
+              <a:rPr lang="en-US" smtClean="0"/>
+              <a:t>BI3209 Pengantar Bioinformatika untuk Biologi</a:t>
+            </a:r>
+            <a:endParaRPr lang="en-US"/>
+          </a:p>
+        </p:txBody>
+      </p:sp>
+      <p:sp>
+        <p:nvSpPr>
+          <p:cNvPr id="5" name="Footer Placeholder 4"/>
+          <p:cNvSpPr>
+            <a:spLocks noGrp="1"/>
+          </p:cNvSpPr>
+          <p:nvPr>
+            <p:ph type="ftr" sz="quarter" idx="11"/>
+          </p:nvPr>
+        </p:nvSpPr>
+        <p:spPr/>
+        <p:txBody>
+          <a:bodyPr/>
+          <a:lstStyle/>
+          <a:p>
+            <a:pPr>
+              <a:defRPr/>
+            </a:pPr>
+            <a:r>
+              <a:rPr lang="en-US" smtClean="0"/>
+              <a:t>2023-05-22 | Auditorium CC Timur | ITB Ganesha</a:t>
+            </a:r>
+            <a:endParaRPr lang="en-US"/>
+          </a:p>
+        </p:txBody>
+      </p:sp>
+      <p:sp>
+        <p:nvSpPr>
+          <p:cNvPr id="6" name="Slide Number Placeholder 5"/>
+          <p:cNvSpPr>
+            <a:spLocks noGrp="1"/>
+          </p:cNvSpPr>
+          <p:nvPr>
+            <p:ph type="sldNum" sz="quarter" idx="12"/>
+          </p:nvPr>
+        </p:nvSpPr>
+        <p:spPr/>
+        <p:txBody>
+          <a:bodyPr/>
+          <a:lstStyle/>
+          <a:p>
+            <a:pPr>
+              <a:defRPr/>
+            </a:pPr>
+            <a:fld id="{F076344D-F0A0-4571-8A46-686886838267}" type="slidenum">
+              <a:rPr lang="en-US" smtClean="0"/>
+              <a:pPr>
+                <a:defRPr/>
+              </a:pPr>
+              <a:t>13</a:t>
+            </a:fld>
+            <a:endParaRPr lang="en-US"/>
+          </a:p>
+        </p:txBody>
+      </p:sp>
+      <p:sp>
+        <p:nvSpPr>
+          <p:cNvPr id="7" name="Rectangle 6">
+            <a:hlinkClick r:id="rId3"/>
+          </p:cNvPr>
+          <p:cNvSpPr/>
+          <p:nvPr/>
+        </p:nvSpPr>
+        <p:spPr>
+          <a:xfrm>
+            <a:off x="457200" y="4122881"/>
+            <a:ext cx="8229600" cy="461665"/>
+          </a:xfrm>
+          <a:prstGeom prst="rect">
+            <a:avLst/>
+          </a:prstGeom>
+        </p:spPr>
+        <p:txBody>
+          <a:bodyPr wrap="square">
+            <a:spAutoFit/>
+          </a:bodyPr>
+          <a:lstStyle/>
+          <a:p>
+            <a:r>
+              <a:rPr lang="en-US" sz="1200" smtClean="0">
+                <a:latin typeface="+mn-lt"/>
+              </a:rPr>
+              <a:t>Benjamin Obi Tayo, “Simplicity vs Complexity in Machine Learning — Finding the Right Balance”, Towards Data Science, 11 Nov 2019, url </a:t>
+            </a:r>
+            <a:r>
+              <a:rPr lang="en-US" sz="1200" smtClean="0">
+                <a:solidFill>
+                  <a:srgbClr val="0070C0"/>
+                </a:solidFill>
+                <a:latin typeface="+mn-lt"/>
+              </a:rPr>
+              <a:t>https://towardsdatascience.com/p-c9000d1726fb</a:t>
+            </a:r>
+            <a:r>
+              <a:rPr lang="en-US" sz="1200" smtClean="0">
+                <a:latin typeface="+mn-lt"/>
+              </a:rPr>
+              <a:t> [20230519].</a:t>
+            </a:r>
+            <a:endParaRPr lang="en-US" sz="1200">
+              <a:latin typeface="+mn-lt"/>
+            </a:endParaRPr>
+          </a:p>
+        </p:txBody>
+      </p:sp>
+      <p:pic>
+        <p:nvPicPr>
+          <p:cNvPr id="2050" name="Picture 2" descr="https://miro.medium.com/v2/resize:fit:1805/1*fkg_s9tR4ootsi9jPkFgVA.png"/>
+          <p:cNvPicPr>
+            <a:picLocks noChangeAspect="1" noChangeArrowheads="1"/>
+          </p:cNvPicPr>
+          <p:nvPr/>
+        </p:nvPicPr>
+        <p:blipFill>
+          <a:blip r:embed="rId4"/>
+          <a:srcRect/>
+          <a:stretch>
+            <a:fillRect/>
+          </a:stretch>
+        </p:blipFill>
+        <p:spPr bwMode="auto">
+          <a:xfrm>
+            <a:off x="881938" y="63121"/>
+            <a:ext cx="7380124" cy="4092800"/>
+          </a:xfrm>
+          <a:prstGeom prst="rect">
+            <a:avLst/>
+          </a:prstGeom>
+          <a:noFill/>
+        </p:spPr>
+      </p:pic>
+    </p:spTree>
+  </p:cSld>
+  <p:clrMapOvr>
+    <a:masterClrMapping/>
+  </p:clrMapOvr>
+  <p:timing>
+    <p:tnLst>
+      <p:par>
+        <p:cTn id="1" dur="indefinite" restart="never" nodeType="tmRoot"/>
+      </p:par>
+    </p:tnLst>
+  </p:timing>
+</p:sld>
+</file>
+
+<file path=ppt/slides/slide14.xml><?xml version="1.0" encoding="utf-8"?>
+<p:sld xmlns:a="http://schemas.openxmlformats.org/drawingml/2006/main" xmlns:r="http://schemas.openxmlformats.org/officeDocument/2006/relationships" xmlns:p="http://schemas.openxmlformats.org/presentationml/2006/main">
+  <p:cSld>
+    <p:spTree>
+      <p:nvGrpSpPr>
+        <p:cNvPr id="1" name=""/>
+        <p:cNvGrpSpPr/>
+        <p:nvPr/>
+      </p:nvGrpSpPr>
+      <p:grpSpPr>
+        <a:xfrm>
+          <a:off x="0" y="0"/>
+          <a:ext cx="0" cy="0"/>
+          <a:chOff x="0" y="0"/>
+          <a:chExt cx="0" cy="0"/>
+        </a:xfrm>
+      </p:grpSpPr>
+      <p:sp>
+        <p:nvSpPr>
+          <p:cNvPr id="5" name="Title 4"/>
+          <p:cNvSpPr>
+            <a:spLocks noGrp="1"/>
+          </p:cNvSpPr>
+          <p:nvPr>
+            <p:ph type="title"/>
+          </p:nvPr>
+        </p:nvSpPr>
+        <p:spPr/>
+        <p:txBody>
+          <a:bodyPr/>
+          <a:lstStyle/>
+          <a:p>
+            <a:r>
+              <a:rPr lang="en-US" sz="3400" smtClean="0"/>
+              <a:t>Simple model is preferred over a complex one</a:t>
+            </a:r>
+            <a:endParaRPr lang="en-US" sz="3400"/>
+          </a:p>
+        </p:txBody>
+      </p:sp>
+      <p:sp>
+        <p:nvSpPr>
+          <p:cNvPr id="6" name="Content Placeholder 5"/>
+          <p:cNvSpPr>
+            <a:spLocks noGrp="1"/>
+          </p:cNvSpPr>
+          <p:nvPr>
+            <p:ph idx="1"/>
+          </p:nvPr>
+        </p:nvSpPr>
+        <p:spPr/>
+        <p:txBody>
+          <a:bodyPr/>
+          <a:lstStyle/>
+          <a:p>
+            <a:r>
+              <a:rPr lang="en-US" smtClean="0"/>
+              <a:t>Prevents Overfitting: A high-dimensional dataset having too many features can sometimes lead to overfitting (</a:t>
+            </a:r>
+            <a:r>
+              <a:rPr lang="en-US" smtClean="0"/>
+              <a:t>model </a:t>
+            </a:r>
+            <a:r>
+              <a:rPr lang="en-US" smtClean="0"/>
+              <a:t>captures </a:t>
+            </a:r>
+            <a:r>
+              <a:rPr lang="en-US" smtClean="0"/>
+              <a:t>both real and </a:t>
+            </a:r>
+            <a:r>
+              <a:rPr lang="en-US" smtClean="0">
+                <a:solidFill>
+                  <a:srgbClr val="FF0000"/>
+                </a:solidFill>
+              </a:rPr>
+              <a:t>random effects</a:t>
+            </a:r>
+            <a:r>
+              <a:rPr lang="en-US" smtClean="0"/>
+              <a:t>).</a:t>
+            </a:r>
+          </a:p>
+          <a:p>
+            <a:r>
+              <a:rPr lang="en-US" smtClean="0"/>
+              <a:t>Interpretability: An over-complex model having too </a:t>
+            </a:r>
+            <a:r>
+              <a:rPr lang="en-US" smtClean="0"/>
+              <a:t>many </a:t>
+            </a:r>
+            <a:r>
+              <a:rPr lang="en-US" smtClean="0"/>
+              <a:t>features </a:t>
+            </a:r>
+            <a:r>
+              <a:rPr lang="en-US" smtClean="0"/>
+              <a:t>can be </a:t>
+            </a:r>
+            <a:r>
+              <a:rPr lang="en-US" smtClean="0">
+                <a:solidFill>
+                  <a:srgbClr val="FF0000"/>
+                </a:solidFill>
+              </a:rPr>
+              <a:t>hard to interpret</a:t>
+            </a:r>
+            <a:r>
+              <a:rPr lang="en-US" smtClean="0"/>
+              <a:t> especially when features </a:t>
+            </a:r>
+            <a:r>
+              <a:rPr lang="en-US" smtClean="0"/>
+              <a:t>are </a:t>
+            </a:r>
+            <a:r>
+              <a:rPr lang="en-US" smtClean="0"/>
+              <a:t>correlated </a:t>
+            </a:r>
+            <a:r>
+              <a:rPr lang="en-US" smtClean="0"/>
+              <a:t>with each other.</a:t>
+            </a:r>
+          </a:p>
+          <a:p>
+            <a:r>
+              <a:rPr lang="en-US" smtClean="0"/>
+              <a:t>Computational Efficiency: A model trained on a lower-dimensional dataset is </a:t>
+            </a:r>
+            <a:r>
+              <a:rPr lang="en-US" smtClean="0">
+                <a:solidFill>
+                  <a:srgbClr val="00B050"/>
+                </a:solidFill>
+              </a:rPr>
+              <a:t>computationally efficient</a:t>
+            </a:r>
+            <a:r>
+              <a:rPr lang="en-US" smtClean="0"/>
+              <a:t> (execution of algorithm requires less computational time).</a:t>
+            </a:r>
+            <a:endParaRPr lang="en-US"/>
+          </a:p>
+        </p:txBody>
+      </p:sp>
+      <p:sp>
+        <p:nvSpPr>
+          <p:cNvPr id="2" name="Date Placeholder 1"/>
+          <p:cNvSpPr>
+            <a:spLocks noGrp="1"/>
+          </p:cNvSpPr>
+          <p:nvPr>
+            <p:ph type="dt" sz="half" idx="10"/>
+          </p:nvPr>
+        </p:nvSpPr>
+        <p:spPr/>
+        <p:txBody>
+          <a:bodyPr/>
+          <a:lstStyle/>
+          <a:p>
+            <a:pPr>
+              <a:defRPr/>
+            </a:pPr>
+            <a:r>
+              <a:rPr lang="en-US" smtClean="0"/>
+              <a:t>BI3209 Pengantar Bioinformatika untuk Biologi</a:t>
+            </a:r>
+            <a:endParaRPr lang="en-US"/>
+          </a:p>
+        </p:txBody>
+      </p:sp>
+      <p:sp>
+        <p:nvSpPr>
+          <p:cNvPr id="3" name="Footer Placeholder 2"/>
+          <p:cNvSpPr>
+            <a:spLocks noGrp="1"/>
+          </p:cNvSpPr>
+          <p:nvPr>
+            <p:ph type="ftr" sz="quarter" idx="11"/>
+          </p:nvPr>
+        </p:nvSpPr>
+        <p:spPr/>
+        <p:txBody>
+          <a:bodyPr/>
+          <a:lstStyle/>
+          <a:p>
+            <a:pPr>
+              <a:defRPr/>
+            </a:pPr>
+            <a:r>
+              <a:rPr lang="en-US" smtClean="0"/>
+              <a:t>2023-05-22 | Auditorium CC Timur | ITB Ganesha</a:t>
+            </a:r>
+            <a:endParaRPr lang="en-US"/>
+          </a:p>
+        </p:txBody>
+      </p:sp>
+      <p:sp>
+        <p:nvSpPr>
+          <p:cNvPr id="4" name="Slide Number Placeholder 3"/>
+          <p:cNvSpPr>
+            <a:spLocks noGrp="1"/>
+          </p:cNvSpPr>
+          <p:nvPr>
+            <p:ph type="sldNum" sz="quarter" idx="12"/>
+          </p:nvPr>
+        </p:nvSpPr>
+        <p:spPr/>
+        <p:txBody>
+          <a:bodyPr/>
+          <a:lstStyle/>
+          <a:p>
+            <a:pPr>
+              <a:defRPr/>
+            </a:pPr>
+            <a:fld id="{3100713E-C24A-4DA9-9E2B-69657B8B78F5}" type="slidenum">
+              <a:rPr lang="en-US" smtClean="0"/>
+              <a:pPr>
+                <a:defRPr/>
+              </a:pPr>
+              <a:t>14</a:t>
+            </a:fld>
+            <a:endParaRPr lang="en-US"/>
+          </a:p>
+        </p:txBody>
+      </p:sp>
+    </p:spTree>
+  </p:cSld>
+  <p:clrMapOvr>
+    <a:masterClrMapping/>
+  </p:clrMapOvr>
+</p:sld>
+</file>
+
+<file path=ppt/slides/slide15.xml><?xml version="1.0" encoding="utf-8"?>
+<p:sld xmlns:a="http://schemas.openxmlformats.org/drawingml/2006/main" xmlns:r="http://schemas.openxmlformats.org/officeDocument/2006/relationships" xmlns:p="http://schemas.openxmlformats.org/presentationml/2006/main">
+  <p:cSld>
+    <p:spTree>
+      <p:nvGrpSpPr>
+        <p:cNvPr id="1" name=""/>
+        <p:cNvGrpSpPr/>
+        <p:nvPr/>
+      </p:nvGrpSpPr>
+      <p:grpSpPr>
+        <a:xfrm>
+          <a:off x="0" y="0"/>
+          <a:ext cx="0" cy="0"/>
+          <a:chOff x="0" y="0"/>
+          <a:chExt cx="0" cy="0"/>
+        </a:xfrm>
+      </p:grpSpPr>
+      <p:sp>
+        <p:nvSpPr>
+          <p:cNvPr id="43010" name="Date Placeholder 3"/>
+          <p:cNvSpPr>
+            <a:spLocks noGrp="1"/>
+          </p:cNvSpPr>
+          <p:nvPr>
+            <p:ph type="dt" sz="quarter" idx="10"/>
+          </p:nvPr>
+        </p:nvSpPr>
+        <p:spPr bwMode="auto">
+          <a:noFill/>
+          <a:ln>
+            <a:miter lim="800000"/>
+            <a:headEnd/>
+            <a:tailEnd/>
+          </a:ln>
+        </p:spPr>
+        <p:txBody>
+          <a:bodyPr/>
+          <a:lstStyle/>
+          <a:p>
+            <a:r>
+              <a:rPr lang="en-US"/>
+              <a:t>BI3209 Pengantar Bioinformatika untuk Biologi</a:t>
+            </a:r>
+          </a:p>
+        </p:txBody>
+      </p:sp>
+      <p:sp>
+        <p:nvSpPr>
+          <p:cNvPr id="43011" name="Footer Placeholder 4"/>
+          <p:cNvSpPr>
+            <a:spLocks noGrp="1"/>
+          </p:cNvSpPr>
+          <p:nvPr>
+            <p:ph type="ftr" sz="quarter" idx="11"/>
+          </p:nvPr>
+        </p:nvSpPr>
+        <p:spPr bwMode="auto">
+          <a:noFill/>
+          <a:ln>
+            <a:miter lim="800000"/>
+            <a:headEnd/>
+            <a:tailEnd/>
+          </a:ln>
+        </p:spPr>
+        <p:txBody>
+          <a:bodyPr/>
+          <a:lstStyle/>
+          <a:p>
+            <a:r>
+              <a:rPr lang="en-US"/>
+              <a:t>2023-05-22 | Auditorium CC Timur | ITB Ganesha</a:t>
+            </a:r>
+          </a:p>
+        </p:txBody>
+      </p:sp>
+      <p:sp>
+        <p:nvSpPr>
+          <p:cNvPr id="5" name="Slide Number Placeholder 5"/>
+          <p:cNvSpPr>
+            <a:spLocks noGrp="1"/>
+          </p:cNvSpPr>
+          <p:nvPr>
+            <p:ph type="sldNum" sz="quarter" idx="12"/>
+          </p:nvPr>
+        </p:nvSpPr>
+        <p:spPr/>
+        <p:txBody>
+          <a:bodyPr/>
+          <a:lstStyle/>
+          <a:p>
+            <a:pPr>
+              <a:defRPr/>
+            </a:pPr>
+            <a:fld id="{DE470EBE-197A-4ED7-87F9-BAF4AD9A6869}" type="slidenum">
+              <a:rPr lang="en-US"/>
+              <a:pPr>
+                <a:defRPr/>
+              </a:pPr>
+              <a:t>15</a:t>
+            </a:fld>
+            <a:endParaRPr lang="en-US"/>
+          </a:p>
+        </p:txBody>
+      </p:sp>
+      <p:sp>
+        <p:nvSpPr>
+          <p:cNvPr id="43013" name="Title 6"/>
+          <p:cNvSpPr>
+            <a:spLocks noGrp="1"/>
+          </p:cNvSpPr>
+          <p:nvPr>
+            <p:ph type="title" idx="4294967295"/>
+          </p:nvPr>
+        </p:nvSpPr>
+        <p:spPr>
+          <a:xfrm>
+            <a:off x="457200" y="2091929"/>
+            <a:ext cx="8229600" cy="857250"/>
+          </a:xfrm>
+        </p:spPr>
+        <p:txBody>
+          <a:bodyPr/>
+          <a:lstStyle/>
+          <a:p>
+            <a:pPr eaLnBrk="1" hangingPunct="1"/>
+            <a:r>
+              <a:rPr lang="en-US"/>
+              <a:t>Terima kasih</a:t>
+            </a:r>
+          </a:p>
+        </p:txBody>
+      </p:sp>
+    </p:spTree>
+  </p:cSld>
+  <p:clrMapOvr>
+    <a:masterClrMapping/>
+  </p:clrMapOvr>
+  <p:timing>
+    <p:tnLst>
+      <p:par>
+        <p:cTn id="1" dur="indefinite" restart="never" nodeType="tmRoot"/>
+      </p:par>
+    </p:tnLst>
+  </p:timing>
 </p:sld>
 </file>
 
@@ -4941,7 +6449,7 @@
           <p:cNvPr id="2" name="Date Placeholder 1">
             <a:extLst>
               <a:ext uri="{FF2B5EF4-FFF2-40B4-BE49-F238E27FC236}">
-                <a16:creationId xmlns:a16="http://schemas.microsoft.com/office/drawing/2014/main" xmlns="" id="{D94EC8BD-DED4-522F-937A-47003F1911C4}"/>
+                <a16:creationId xmlns="" xmlns:a16="http://schemas.microsoft.com/office/drawing/2014/main" id="{D94EC8BD-DED4-522F-937A-47003F1911C4}"/>
               </a:ext>
             </a:extLst>
           </p:cNvPr>
@@ -4972,7 +6480,7 @@
           <p:cNvPr id="3" name="Footer Placeholder 2">
             <a:extLst>
               <a:ext uri="{FF2B5EF4-FFF2-40B4-BE49-F238E27FC236}">
-                <a16:creationId xmlns:a16="http://schemas.microsoft.com/office/drawing/2014/main" xmlns="" id="{35C6EB9A-2509-C417-EEB4-B2B2FF997A49}"/>
+                <a16:creationId xmlns="" xmlns:a16="http://schemas.microsoft.com/office/drawing/2014/main" id="{35C6EB9A-2509-C417-EEB4-B2B2FF997A49}"/>
               </a:ext>
             </a:extLst>
           </p:cNvPr>
@@ -5003,7 +6511,7 @@
           <p:cNvPr id="4" name="Slide Number Placeholder 3">
             <a:extLst>
               <a:ext uri="{FF2B5EF4-FFF2-40B4-BE49-F238E27FC236}">
-                <a16:creationId xmlns:a16="http://schemas.microsoft.com/office/drawing/2014/main" xmlns="" id="{BC09BF8D-5713-73DE-CC57-9D4A0067960D}"/>
+                <a16:creationId xmlns="" xmlns:a16="http://schemas.microsoft.com/office/drawing/2014/main" id="{BC09BF8D-5713-73DE-CC57-9D4A0067960D}"/>
               </a:ext>
             </a:extLst>
           </p:cNvPr>
@@ -5038,7 +6546,7 @@
           <p:cNvPr id="1026" name="Picture 2">
             <a:extLst>
               <a:ext uri="{FF2B5EF4-FFF2-40B4-BE49-F238E27FC236}">
-                <a16:creationId xmlns:a16="http://schemas.microsoft.com/office/drawing/2014/main" xmlns="" id="{A9EF171C-5A56-16B5-2806-4A709AA86123}"/>
+                <a16:creationId xmlns="" xmlns:a16="http://schemas.microsoft.com/office/drawing/2014/main" id="{A9EF171C-5A56-16B5-2806-4A709AA86123}"/>
               </a:ext>
             </a:extLst>
           </p:cNvPr>
@@ -5051,7 +6559,7 @@
           <a:blip r:embed="rId3" cstate="print">
             <a:extLst>
               <a:ext uri="{28A0092B-C50C-407E-A947-70E740481C1C}">
-                <a14:useLocalDpi xmlns:a14="http://schemas.microsoft.com/office/drawing/2010/main" xmlns="" val="0"/>
+                <a14:useLocalDpi xmlns="" xmlns:a14="http://schemas.microsoft.com/office/drawing/2010/main" val="0"/>
               </a:ext>
             </a:extLst>
           </a:blip>
@@ -5069,7 +6577,7 @@
           <a:noFill/>
           <a:extLst>
             <a:ext uri="{909E8E84-426E-40DD-AFC4-6F175D3DCCD1}">
-              <a14:hiddenFill xmlns:a14="http://schemas.microsoft.com/office/drawing/2010/main" xmlns="">
+              <a14:hiddenFill xmlns="" xmlns:a14="http://schemas.microsoft.com/office/drawing/2010/main">
                 <a:solidFill>
                   <a:srgbClr val="FFFFFF"/>
                 </a:solidFill>
@@ -5083,7 +6591,7 @@
           <p:cNvPr id="5" name="Picture 2">
             <a:extLst>
               <a:ext uri="{FF2B5EF4-FFF2-40B4-BE49-F238E27FC236}">
-                <a16:creationId xmlns:a16="http://schemas.microsoft.com/office/drawing/2014/main" xmlns="" id="{620BCAB6-A94E-D31E-42A7-329CB697E77F}"/>
+                <a16:creationId xmlns="" xmlns:a16="http://schemas.microsoft.com/office/drawing/2014/main" id="{620BCAB6-A94E-D31E-42A7-329CB697E77F}"/>
               </a:ext>
             </a:extLst>
           </p:cNvPr>
@@ -5096,7 +6604,7 @@
           <a:blip r:embed="rId3" cstate="print">
             <a:extLst>
               <a:ext uri="{28A0092B-C50C-407E-A947-70E740481C1C}">
-                <a14:useLocalDpi xmlns:a14="http://schemas.microsoft.com/office/drawing/2010/main" xmlns="" val="0"/>
+                <a14:useLocalDpi xmlns="" xmlns:a14="http://schemas.microsoft.com/office/drawing/2010/main" val="0"/>
               </a:ext>
             </a:extLst>
           </a:blip>
@@ -5114,7 +6622,7 @@
           <a:noFill/>
           <a:extLst>
             <a:ext uri="{909E8E84-426E-40DD-AFC4-6F175D3DCCD1}">
-              <a14:hiddenFill xmlns:a14="http://schemas.microsoft.com/office/drawing/2010/main" xmlns="">
+              <a14:hiddenFill xmlns="" xmlns:a14="http://schemas.microsoft.com/office/drawing/2010/main">
                 <a:solidFill>
                   <a:srgbClr val="FFFFFF"/>
                 </a:solidFill>
@@ -5126,7 +6634,7 @@
     </p:spTree>
     <p:extLst>
       <p:ext uri="{BB962C8B-B14F-4D97-AF65-F5344CB8AC3E}">
-        <p14:creationId xmlns:p14="http://schemas.microsoft.com/office/powerpoint/2010/main" xmlns="" val="2960825456"/>
+        <p14:creationId xmlns="" xmlns:p14="http://schemas.microsoft.com/office/powerpoint/2010/main" val="2960825456"/>
       </p:ext>
     </p:extLst>
   </p:cSld>
@@ -5423,15 +6931,15 @@
           <a:p>
             <a:r>
               <a:rPr lang="en-US" smtClean="0"/>
-              <a:t>Rujukan mengenai suatu hal dituliskan di bagian bawah slide</a:t>
+              <a:t>Rujukan mengenai suatu hal dituliskan di bagian bawah slide </a:t>
             </a:r>
             <a:r>
               <a:rPr lang="en-US" smtClean="0"/>
-              <a:t> terkait</a:t>
+              <a:t>terkait </a:t>
             </a:r>
             <a:r>
               <a:rPr lang="en-US" smtClean="0"/>
-              <a:t> untuk dapat ditelusuri lebih lanjut.</a:t>
+              <a:t>untuk dapat ditelusuri lebih lanjut.</a:t>
             </a:r>
           </a:p>
           <a:p>
@@ -5593,6 +7101,36 @@
                 <a:tab pos="3657600" algn="r"/>
               </a:tabLst>
             </a:pPr>
+            <a:r>
+              <a:rPr lang="en-US" smtClean="0"/>
+              <a:t>Model dan simulasi	6</a:t>
+            </a:r>
+          </a:p>
+          <a:p>
+            <a:pPr>
+              <a:tabLst>
+                <a:tab pos="3657600" algn="r"/>
+              </a:tabLst>
+            </a:pPr>
+            <a:r>
+              <a:rPr lang="en-US" smtClean="0"/>
+              <a:t>Akurasi dan keseder-</a:t>
+            </a:r>
+            <a:br>
+              <a:rPr lang="en-US" smtClean="0"/>
+            </a:br>
+            <a:r>
+              <a:rPr lang="en-US" smtClean="0"/>
+              <a:t>hanaan	..</a:t>
+            </a:r>
+            <a:endParaRPr lang="en-US" smtClean="0"/>
+          </a:p>
+          <a:p>
+            <a:pPr>
+              <a:tabLst>
+                <a:tab pos="3657600" algn="r"/>
+              </a:tabLst>
+            </a:pPr>
             <a:endParaRPr lang="en-US"/>
           </a:p>
         </p:txBody>
@@ -5843,14 +7381,20 @@
               <a:buNone/>
             </a:pPr>
             <a:r>
-              <a:rPr lang="en-US" sz="2800" b="1">
+              <a:rPr lang="en-US" sz="2800" b="1" smtClean="0">
                 <a:solidFill>
                   <a:schemeClr val="bg1"/>
                 </a:solidFill>
                 <a:latin typeface="Calibri" pitchFamily="34" charset="0"/>
               </a:rPr>
-              <a:t>..</a:t>
-            </a:r>
+              <a:t>Model dan simulasi</a:t>
+            </a:r>
+            <a:endParaRPr lang="en-US" sz="2800" b="1">
+              <a:solidFill>
+                <a:schemeClr val="bg1"/>
+              </a:solidFill>
+              <a:latin typeface="Calibri" pitchFamily="34" charset="0"/>
+            </a:endParaRPr>
           </a:p>
         </p:txBody>
       </p:sp>
@@ -5884,7 +7428,7 @@
           <p:cNvPr id="2" name="Title 1">
             <a:extLst>
               <a:ext uri="{FF2B5EF4-FFF2-40B4-BE49-F238E27FC236}">
-                <a16:creationId xmlns:a16="http://schemas.microsoft.com/office/drawing/2014/main" xmlns="" id="{F3BAA570-3E27-DC6D-135F-F1BE3CF0505A}"/>
+                <a16:creationId xmlns="" xmlns:a16="http://schemas.microsoft.com/office/drawing/2014/main" id="{F3BAA570-3E27-DC6D-135F-F1BE3CF0505A}"/>
               </a:ext>
             </a:extLst>
           </p:cNvPr>
@@ -5900,6 +7444,10 @@
           <a:bodyPr/>
           <a:lstStyle/>
           <a:p>
+            <a:r>
+              <a:rPr lang="en-ID" smtClean="0"/>
+              <a:t>Model</a:t>
+            </a:r>
             <a:endParaRPr lang="en-ID"/>
           </a:p>
         </p:txBody>
@@ -5909,7 +7457,7 @@
           <p:cNvPr id="3" name="Content Placeholder 2">
             <a:extLst>
               <a:ext uri="{FF2B5EF4-FFF2-40B4-BE49-F238E27FC236}">
-                <a16:creationId xmlns:a16="http://schemas.microsoft.com/office/drawing/2014/main" xmlns="" id="{669B17EF-8078-EDAC-281A-9226C10F7329}"/>
+                <a16:creationId xmlns="" xmlns:a16="http://schemas.microsoft.com/office/drawing/2014/main" id="{669B17EF-8078-EDAC-281A-9226C10F7329}"/>
               </a:ext>
             </a:extLst>
           </p:cNvPr>
@@ -5925,6 +7473,54 @@
           <a:bodyPr/>
           <a:lstStyle/>
           <a:p>
+            <a:r>
+              <a:rPr lang="en-ID" smtClean="0"/>
+              <a:t>A model is a product (physical or digital) that represents a system </a:t>
+            </a:r>
+            <a:r>
+              <a:rPr lang="en-ID" smtClean="0"/>
+              <a:t>of </a:t>
+            </a:r>
+            <a:r>
+              <a:rPr lang="en-ID" smtClean="0"/>
+              <a:t>interest.</a:t>
+            </a:r>
+          </a:p>
+          <a:p>
+            <a:r>
+              <a:rPr lang="en-ID" smtClean="0"/>
+              <a:t>A </a:t>
+            </a:r>
+            <a:r>
+              <a:rPr lang="en-ID" smtClean="0"/>
+              <a:t>model is similar to but simpler than the system it represents, while approximating most of the same salient features of the real system as close </a:t>
+            </a:r>
+            <a:r>
+              <a:rPr lang="en-ID" smtClean="0"/>
+              <a:t>as </a:t>
+            </a:r>
+            <a:r>
+              <a:rPr lang="en-ID" smtClean="0"/>
+              <a:t>possible.</a:t>
+            </a:r>
+          </a:p>
+          <a:p>
+            <a:r>
+              <a:rPr lang="en-ID" smtClean="0"/>
+              <a:t>A </a:t>
+            </a:r>
+            <a:r>
+              <a:rPr lang="en-ID" smtClean="0"/>
+              <a:t>good model is a judicious tradeoff between realism and </a:t>
+            </a:r>
+            <a:r>
+              <a:rPr lang="en-ID" smtClean="0"/>
+              <a:t>simplicity</a:t>
+            </a:r>
+            <a:r>
+              <a:rPr lang="en-ID" smtClean="0"/>
+              <a:t>.</a:t>
+            </a:r>
             <a:endParaRPr lang="en-ID"/>
           </a:p>
         </p:txBody>
@@ -5934,7 +7530,7 @@
           <p:cNvPr id="4" name="Date Placeholder 3">
             <a:extLst>
               <a:ext uri="{FF2B5EF4-FFF2-40B4-BE49-F238E27FC236}">
-                <a16:creationId xmlns:a16="http://schemas.microsoft.com/office/drawing/2014/main" xmlns="" id="{D30C2E71-D87E-B262-2244-6D5E605B73A5}"/>
+                <a16:creationId xmlns="" xmlns:a16="http://schemas.microsoft.com/office/drawing/2014/main" id="{D30C2E71-D87E-B262-2244-6D5E605B73A5}"/>
               </a:ext>
             </a:extLst>
           </p:cNvPr>
@@ -5965,7 +7561,7 @@
           <p:cNvPr id="5" name="Footer Placeholder 4">
             <a:extLst>
               <a:ext uri="{FF2B5EF4-FFF2-40B4-BE49-F238E27FC236}">
-                <a16:creationId xmlns:a16="http://schemas.microsoft.com/office/drawing/2014/main" xmlns="" id="{4A76AE04-B451-3CE5-CF37-A00CA5C61DFD}"/>
+                <a16:creationId xmlns="" xmlns:a16="http://schemas.microsoft.com/office/drawing/2014/main" id="{4A76AE04-B451-3CE5-CF37-A00CA5C61DFD}"/>
               </a:ext>
             </a:extLst>
           </p:cNvPr>
@@ -5996,7 +7592,7 @@
           <p:cNvPr id="6" name="Slide Number Placeholder 5">
             <a:extLst>
               <a:ext uri="{FF2B5EF4-FFF2-40B4-BE49-F238E27FC236}">
-                <a16:creationId xmlns:a16="http://schemas.microsoft.com/office/drawing/2014/main" xmlns="" id="{F38DC82C-9EE6-9952-3B48-9601BBC592F8}"/>
+                <a16:creationId xmlns="" xmlns:a16="http://schemas.microsoft.com/office/drawing/2014/main" id="{F38DC82C-9EE6-9952-3B48-9601BBC592F8}"/>
               </a:ext>
             </a:extLst>
           </p:cNvPr>
@@ -6026,10 +7622,114 @@
           </a:p>
         </p:txBody>
       </p:sp>
+      <p:sp>
+        <p:nvSpPr>
+          <p:cNvPr id="7" name="Rectangle 6">
+            <a:hlinkClick r:id="rId2"/>
+          </p:cNvPr>
+          <p:cNvSpPr/>
+          <p:nvPr/>
+        </p:nvSpPr>
+        <p:spPr>
+          <a:xfrm>
+            <a:off x="457200" y="4122881"/>
+            <a:ext cx="8229600" cy="461665"/>
+          </a:xfrm>
+          <a:prstGeom prst="rect">
+            <a:avLst/>
+          </a:prstGeom>
+        </p:spPr>
+        <p:txBody>
+          <a:bodyPr wrap="square">
+            <a:spAutoFit/>
+          </a:bodyPr>
+          <a:lstStyle/>
+          <a:p>
+            <a:r>
+              <a:rPr lang="en-US" sz="1200" smtClean="0">
+                <a:latin typeface="+mn-lt"/>
+              </a:rPr>
+              <a:t>Vinod Kumar Soni</a:t>
+            </a:r>
+            <a:r>
+              <a:rPr lang="en-US" sz="1200" smtClean="0">
+                <a:latin typeface="+mn-lt"/>
+              </a:rPr>
+              <a:t>, </a:t>
+            </a:r>
+            <a:r>
+              <a:rPr lang="en-US" sz="1200" smtClean="0">
+                <a:latin typeface="+mn-lt"/>
+              </a:rPr>
+              <a:t>“Answer </a:t>
+            </a:r>
+            <a:r>
+              <a:rPr lang="en-US" sz="1200" smtClean="0">
+                <a:latin typeface="+mn-lt"/>
+              </a:rPr>
+              <a:t>to </a:t>
+            </a:r>
+            <a:r>
+              <a:rPr lang="en-US" sz="1200" smtClean="0">
+                <a:latin typeface="+mn-lt"/>
+              </a:rPr>
+              <a:t>What </a:t>
+            </a:r>
+            <a:r>
+              <a:rPr lang="en-US" sz="1200" smtClean="0">
+                <a:latin typeface="+mn-lt"/>
+              </a:rPr>
+              <a:t>is the difference between simulation </a:t>
+            </a:r>
+            <a:r>
+              <a:rPr lang="en-US" sz="1200" smtClean="0">
+                <a:latin typeface="+mn-lt"/>
+              </a:rPr>
+              <a:t>and </a:t>
+            </a:r>
+            <a:r>
+              <a:rPr lang="en-US" sz="1200" smtClean="0">
+                <a:latin typeface="+mn-lt"/>
+              </a:rPr>
+              <a:t>modeling?”, ResearchGate, 21 Feb 2020, </a:t>
+            </a:r>
+            <a:r>
+              <a:rPr lang="en-US" sz="1200" smtClean="0">
+                <a:latin typeface="+mn-lt"/>
+              </a:rPr>
+              <a:t>url </a:t>
+            </a:r>
+            <a:r>
+              <a:rPr lang="en-US" sz="1200" smtClean="0">
+                <a:solidFill>
+                  <a:srgbClr val="0070C0"/>
+                </a:solidFill>
+                <a:latin typeface="+mn-lt"/>
+              </a:rPr>
+              <a:t>https://www.researchgate.net/post/What_is_the_difference_between_simulation_and_modeling</a:t>
+            </a:r>
+            <a:r>
+              <a:rPr lang="en-US" sz="1200" smtClean="0">
+                <a:latin typeface="+mn-lt"/>
+              </a:rPr>
+              <a:t> </a:t>
+            </a:r>
+            <a:r>
+              <a:rPr lang="en-US" sz="1200" smtClean="0">
+                <a:latin typeface="+mn-lt"/>
+              </a:rPr>
+              <a:t>[20230519].</a:t>
+            </a:r>
+            <a:endParaRPr lang="en-US" sz="1200">
+              <a:latin typeface="+mn-lt"/>
+            </a:endParaRPr>
+          </a:p>
+        </p:txBody>
+      </p:sp>
     </p:spTree>
     <p:extLst>
       <p:ext uri="{BB962C8B-B14F-4D97-AF65-F5344CB8AC3E}">
-        <p14:creationId xmlns:p14="http://schemas.microsoft.com/office/powerpoint/2010/main" xmlns="" val="357557416"/>
+        <p14:creationId xmlns="" xmlns:p14="http://schemas.microsoft.com/office/powerpoint/2010/main" val="357557416"/>
       </p:ext>
     </p:extLst>
   </p:cSld>
@@ -6058,36 +7758,171 @@
       </p:grpSpPr>
       <p:sp>
         <p:nvSpPr>
-          <p:cNvPr id="43010" name="Date Placeholder 3"/>
-          <p:cNvSpPr>
-            <a:spLocks noGrp="1"/>
-          </p:cNvSpPr>
-          <p:nvPr>
-            <p:ph type="dt" sz="quarter" idx="10"/>
-          </p:nvPr>
-        </p:nvSpPr>
-        <p:spPr bwMode="auto">
-          <a:noFill/>
-          <a:ln>
-            <a:miter lim="800000"/>
-            <a:headEnd/>
-            <a:tailEnd/>
-          </a:ln>
-        </p:spPr>
-        <p:txBody>
-          <a:bodyPr/>
-          <a:lstStyle/>
-          <a:p>
-            <a:r>
-              <a:rPr lang="en-US"/>
+          <p:cNvPr id="2" name="Title 1"/>
+          <p:cNvSpPr>
+            <a:spLocks noGrp="1"/>
+          </p:cNvSpPr>
+          <p:nvPr>
+            <p:ph type="title"/>
+          </p:nvPr>
+        </p:nvSpPr>
+        <p:spPr/>
+        <p:txBody>
+          <a:bodyPr/>
+          <a:lstStyle/>
+          <a:p>
+            <a:r>
+              <a:rPr lang="en-ID" smtClean="0"/>
+              <a:t>Model (lanj.)</a:t>
+            </a:r>
+            <a:endParaRPr lang="en-US"/>
+          </a:p>
+        </p:txBody>
+      </p:sp>
+      <p:sp>
+        <p:nvSpPr>
+          <p:cNvPr id="3" name="Content Placeholder 2"/>
+          <p:cNvSpPr>
+            <a:spLocks noGrp="1"/>
+          </p:cNvSpPr>
+          <p:nvPr>
+            <p:ph idx="1"/>
+          </p:nvPr>
+        </p:nvSpPr>
+        <p:spPr/>
+        <p:txBody>
+          <a:bodyPr/>
+          <a:lstStyle/>
+          <a:p>
+            <a:r>
+              <a:rPr lang="en-ID" smtClean="0"/>
+              <a:t>A key feature of a model is manipulability.</a:t>
+            </a:r>
+          </a:p>
+          <a:p>
+            <a:r>
+              <a:rPr lang="en-ID" smtClean="0"/>
+              <a:t>A </a:t>
+            </a:r>
+            <a:r>
+              <a:rPr lang="en-ID" smtClean="0"/>
+              <a:t>model </a:t>
+            </a:r>
+            <a:r>
+              <a:rPr lang="en-ID" smtClean="0"/>
+              <a:t>can </a:t>
+            </a:r>
+            <a:r>
+              <a:rPr lang="en-ID" smtClean="0"/>
+              <a:t>be:</a:t>
+            </a:r>
+          </a:p>
+          <a:p>
+            <a:pPr lvl="1"/>
+            <a:r>
+              <a:rPr lang="en-ID" smtClean="0"/>
+              <a:t>a </a:t>
+            </a:r>
+            <a:r>
+              <a:rPr lang="en-ID" smtClean="0"/>
+              <a:t>physical model (for example a physical architectural house </a:t>
+            </a:r>
+            <a:r>
+              <a:rPr lang="en-ID" smtClean="0"/>
+              <a:t>scale </a:t>
+            </a:r>
+            <a:r>
+              <a:rPr lang="en-ID" smtClean="0"/>
+              <a:t>model, a </a:t>
+            </a:r>
+            <a:r>
+              <a:rPr lang="en-ID" smtClean="0"/>
+              <a:t>model </a:t>
+            </a:r>
+            <a:r>
+              <a:rPr lang="en-ID" smtClean="0"/>
+              <a:t>aircraft</a:t>
+            </a:r>
+            <a:r>
+              <a:rPr lang="en-ID" smtClean="0"/>
+              <a:t>, a </a:t>
+            </a:r>
+            <a:r>
+              <a:rPr lang="en-ID" smtClean="0"/>
+              <a:t>fashion mannequin</a:t>
+            </a:r>
+            <a:r>
+              <a:rPr lang="en-ID" smtClean="0"/>
+              <a:t>, </a:t>
+            </a:r>
+            <a:r>
+              <a:rPr lang="en-ID" smtClean="0"/>
+              <a:t>or a </a:t>
+            </a:r>
+            <a:r>
+              <a:rPr lang="en-ID" smtClean="0"/>
+              <a:t>model organism in biology </a:t>
+            </a:r>
+            <a:r>
+              <a:rPr lang="en-ID" smtClean="0"/>
+              <a:t>research</a:t>
+            </a:r>
+            <a:r>
+              <a:rPr lang="en-ID" smtClean="0"/>
+              <a:t>); or</a:t>
+            </a:r>
+          </a:p>
+          <a:p>
+            <a:pPr lvl="1"/>
+            <a:r>
+              <a:rPr lang="en-ID" smtClean="0"/>
+              <a:t>a </a:t>
+            </a:r>
+            <a:r>
+              <a:rPr lang="en-ID" smtClean="0"/>
+              <a:t>conceptual model (for example a computer model, a statistical or mathematical model, a </a:t>
+            </a:r>
+            <a:r>
+              <a:rPr lang="en-ID" smtClean="0"/>
+              <a:t>business </a:t>
+            </a:r>
+            <a:r>
+              <a:rPr lang="en-ID" smtClean="0"/>
+              <a:t>model).</a:t>
+            </a:r>
+            <a:endParaRPr lang="en-US"/>
+          </a:p>
+        </p:txBody>
+      </p:sp>
+      <p:sp>
+        <p:nvSpPr>
+          <p:cNvPr id="4" name="Date Placeholder 3"/>
+          <p:cNvSpPr>
+            <a:spLocks noGrp="1"/>
+          </p:cNvSpPr>
+          <p:nvPr>
+            <p:ph type="dt" sz="half" idx="10"/>
+          </p:nvPr>
+        </p:nvSpPr>
+        <p:spPr/>
+        <p:txBody>
+          <a:bodyPr/>
+          <a:lstStyle/>
+          <a:p>
+            <a:pPr>
+              <a:defRPr/>
+            </a:pPr>
+            <a:r>
+              <a:rPr lang="en-US" smtClean="0"/>
               <a:t>BI3209 Pengantar Bioinformatika untuk Biologi</a:t>
             </a:r>
-          </a:p>
-        </p:txBody>
-      </p:sp>
-      <p:sp>
-        <p:nvSpPr>
-          <p:cNvPr id="43011" name="Footer Placeholder 4"/>
+            <a:endParaRPr lang="en-US"/>
+          </a:p>
+        </p:txBody>
+      </p:sp>
+      <p:sp>
+        <p:nvSpPr>
+          <p:cNvPr id="5" name="Footer Placeholder 4"/>
           <p:cNvSpPr>
             <a:spLocks noGrp="1"/>
           </p:cNvSpPr>
@@ -6095,28 +7930,25 @@
             <p:ph type="ftr" sz="quarter" idx="11"/>
           </p:nvPr>
         </p:nvSpPr>
-        <p:spPr bwMode="auto">
-          <a:noFill/>
-          <a:ln>
-            <a:miter lim="800000"/>
-            <a:headEnd/>
-            <a:tailEnd/>
-          </a:ln>
-        </p:spPr>
-        <p:txBody>
-          <a:bodyPr/>
-          <a:lstStyle/>
-          <a:p>
-            <a:r>
-              <a:rPr lang="en-US"/>
+        <p:spPr/>
+        <p:txBody>
+          <a:bodyPr/>
+          <a:lstStyle/>
+          <a:p>
+            <a:pPr>
+              <a:defRPr/>
+            </a:pPr>
+            <a:r>
+              <a:rPr lang="en-US" smtClean="0"/>
               <a:t>2023-05-22 | Auditorium CC Timur | ITB Ganesha</a:t>
             </a:r>
-          </a:p>
-        </p:txBody>
-      </p:sp>
-      <p:sp>
-        <p:nvSpPr>
-          <p:cNvPr id="5" name="Slide Number Placeholder 5"/>
+            <a:endParaRPr lang="en-US"/>
+          </a:p>
+        </p:txBody>
+      </p:sp>
+      <p:sp>
+        <p:nvSpPr>
+          <p:cNvPr id="6" name="Slide Number Placeholder 5"/>
           <p:cNvSpPr>
             <a:spLocks noGrp="1"/>
           </p:cNvSpPr>
@@ -6132,8 +7964,8 @@
             <a:pPr>
               <a:defRPr/>
             </a:pPr>
-            <a:fld id="{DE470EBE-197A-4ED7-87F9-BAF4AD9A6869}" type="slidenum">
-              <a:rPr lang="en-US"/>
+            <a:fld id="{F076344D-F0A0-4571-8A46-686886838267}" type="slidenum">
+              <a:rPr lang="en-US" smtClean="0"/>
               <a:pPr>
                 <a:defRPr/>
               </a:pPr>
@@ -6143,37 +7975,202 @@
           </a:p>
         </p:txBody>
       </p:sp>
-      <p:sp>
-        <p:nvSpPr>
-          <p:cNvPr id="43013" name="Title 6"/>
-          <p:cNvSpPr>
-            <a:spLocks noGrp="1"/>
-          </p:cNvSpPr>
-          <p:nvPr>
-            <p:ph type="title" idx="4294967295"/>
-          </p:nvPr>
-        </p:nvSpPr>
-        <p:spPr>
-          <a:xfrm>
-            <a:off x="457200" y="2091929"/>
-            <a:ext cx="8229600" cy="857250"/>
-          </a:xfrm>
-        </p:spPr>
-        <p:txBody>
-          <a:bodyPr/>
-          <a:lstStyle/>
-          <a:p>
-            <a:pPr eaLnBrk="1" hangingPunct="1"/>
-            <a:r>
-              <a:rPr lang="en-US"/>
-              <a:t>Terima kasih</a:t>
-            </a:r>
-          </a:p>
-        </p:txBody>
-      </p:sp>
-      <p:sp>
-        <p:nvSpPr>
-          <p:cNvPr id="6" name="Rectangle 5">
+    </p:spTree>
+  </p:cSld>
+  <p:clrMapOvr>
+    <a:masterClrMapping/>
+  </p:clrMapOvr>
+</p:sld>
+</file>
+
+<file path=ppt/slides/slide9.xml><?xml version="1.0" encoding="utf-8"?>
+<p:sld xmlns:a="http://schemas.openxmlformats.org/drawingml/2006/main" xmlns:r="http://schemas.openxmlformats.org/officeDocument/2006/relationships" xmlns:p="http://schemas.openxmlformats.org/presentationml/2006/main">
+  <p:cSld>
+    <p:spTree>
+      <p:nvGrpSpPr>
+        <p:cNvPr id="1" name=""/>
+        <p:cNvGrpSpPr/>
+        <p:nvPr/>
+      </p:nvGrpSpPr>
+      <p:grpSpPr>
+        <a:xfrm>
+          <a:off x="0" y="0"/>
+          <a:ext cx="0" cy="0"/>
+          <a:chOff x="0" y="0"/>
+          <a:chExt cx="0" cy="0"/>
+        </a:xfrm>
+      </p:grpSpPr>
+      <p:sp>
+        <p:nvSpPr>
+          <p:cNvPr id="2" name="Title 1"/>
+          <p:cNvSpPr>
+            <a:spLocks noGrp="1"/>
+          </p:cNvSpPr>
+          <p:nvPr>
+            <p:ph type="title"/>
+          </p:nvPr>
+        </p:nvSpPr>
+        <p:spPr/>
+        <p:txBody>
+          <a:bodyPr/>
+          <a:lstStyle/>
+          <a:p>
+            <a:r>
+              <a:rPr lang="en-US" smtClean="0"/>
+              <a:t>Simulation</a:t>
+            </a:r>
+            <a:endParaRPr lang="en-US"/>
+          </a:p>
+        </p:txBody>
+      </p:sp>
+      <p:sp>
+        <p:nvSpPr>
+          <p:cNvPr id="3" name="Content Placeholder 2"/>
+          <p:cNvSpPr>
+            <a:spLocks noGrp="1"/>
+          </p:cNvSpPr>
+          <p:nvPr>
+            <p:ph idx="1"/>
+          </p:nvPr>
+        </p:nvSpPr>
+        <p:spPr/>
+        <p:txBody>
+          <a:bodyPr/>
+          <a:lstStyle/>
+          <a:p>
+            <a:r>
+              <a:rPr lang="en-US" smtClean="0"/>
+              <a:t>A simulation is the process of using a model to study the behavior and performance of an actual or theoretical system</a:t>
+            </a:r>
+            <a:r>
+              <a:rPr lang="en-US" smtClean="0"/>
+              <a:t>. </a:t>
+            </a:r>
+            <a:endParaRPr lang="en-US" smtClean="0"/>
+          </a:p>
+          <a:p>
+            <a:r>
+              <a:rPr lang="en-US" smtClean="0"/>
+              <a:t>In </a:t>
+            </a:r>
+            <a:r>
+              <a:rPr lang="en-US" smtClean="0"/>
+              <a:t>a simulation, models can be used to study existing or proposed characteristics of </a:t>
+            </a:r>
+            <a:r>
+              <a:rPr lang="en-US" smtClean="0"/>
+              <a:t>a </a:t>
+            </a:r>
+            <a:r>
+              <a:rPr lang="en-US" smtClean="0"/>
+              <a:t>system.</a:t>
+            </a:r>
+          </a:p>
+          <a:p>
+            <a:r>
+              <a:rPr lang="en-US" smtClean="0"/>
+              <a:t>The </a:t>
+            </a:r>
+            <a:r>
+              <a:rPr lang="en-US" smtClean="0"/>
+              <a:t>purpose of a simulation is to study the characteristics of a real-life or fictional system by manipulating variables that cannot be controlled in a </a:t>
+            </a:r>
+            <a:r>
+              <a:rPr lang="en-US" smtClean="0"/>
+              <a:t>real </a:t>
+            </a:r>
+            <a:r>
+              <a:rPr lang="en-US" smtClean="0"/>
+              <a:t>system.</a:t>
+            </a:r>
+            <a:endParaRPr lang="en-US"/>
+          </a:p>
+        </p:txBody>
+      </p:sp>
+      <p:sp>
+        <p:nvSpPr>
+          <p:cNvPr id="4" name="Date Placeholder 3"/>
+          <p:cNvSpPr>
+            <a:spLocks noGrp="1"/>
+          </p:cNvSpPr>
+          <p:nvPr>
+            <p:ph type="dt" sz="half" idx="10"/>
+          </p:nvPr>
+        </p:nvSpPr>
+        <p:spPr/>
+        <p:txBody>
+          <a:bodyPr/>
+          <a:lstStyle/>
+          <a:p>
+            <a:pPr>
+              <a:defRPr/>
+            </a:pPr>
+            <a:r>
+              <a:rPr lang="en-US" smtClean="0"/>
+              <a:t>BI3209 Pengantar Bioinformatika untuk Biologi</a:t>
+            </a:r>
+            <a:endParaRPr lang="en-US"/>
+          </a:p>
+        </p:txBody>
+      </p:sp>
+      <p:sp>
+        <p:nvSpPr>
+          <p:cNvPr id="5" name="Footer Placeholder 4"/>
+          <p:cNvSpPr>
+            <a:spLocks noGrp="1"/>
+          </p:cNvSpPr>
+          <p:nvPr>
+            <p:ph type="ftr" sz="quarter" idx="11"/>
+          </p:nvPr>
+        </p:nvSpPr>
+        <p:spPr/>
+        <p:txBody>
+          <a:bodyPr/>
+          <a:lstStyle/>
+          <a:p>
+            <a:pPr>
+              <a:defRPr/>
+            </a:pPr>
+            <a:r>
+              <a:rPr lang="en-US" smtClean="0"/>
+              <a:t>2023-05-22 | Auditorium CC Timur | ITB Ganesha</a:t>
+            </a:r>
+            <a:endParaRPr lang="en-US"/>
+          </a:p>
+        </p:txBody>
+      </p:sp>
+      <p:sp>
+        <p:nvSpPr>
+          <p:cNvPr id="6" name="Slide Number Placeholder 5"/>
+          <p:cNvSpPr>
+            <a:spLocks noGrp="1"/>
+          </p:cNvSpPr>
+          <p:nvPr>
+            <p:ph type="sldNum" sz="quarter" idx="12"/>
+          </p:nvPr>
+        </p:nvSpPr>
+        <p:spPr/>
+        <p:txBody>
+          <a:bodyPr/>
+          <a:lstStyle/>
+          <a:p>
+            <a:pPr>
+              <a:defRPr/>
+            </a:pPr>
+            <a:fld id="{F076344D-F0A0-4571-8A46-686886838267}" type="slidenum">
+              <a:rPr lang="en-US" smtClean="0"/>
+              <a:pPr>
+                <a:defRPr/>
+              </a:pPr>
+              <a:t>9</a:t>
+            </a:fld>
+            <a:endParaRPr lang="en-US"/>
+          </a:p>
+        </p:txBody>
+      </p:sp>
+      <p:sp>
+        <p:nvSpPr>
+          <p:cNvPr id="7" name="Rectangle 6">
             <a:hlinkClick r:id="rId2"/>
           </p:cNvPr>
           <p:cNvSpPr/>
@@ -6181,8 +8178,8 @@
         </p:nvSpPr>
         <p:spPr>
           <a:xfrm>
-            <a:off x="469075" y="4348100"/>
-            <a:ext cx="8217726" cy="246221"/>
+            <a:off x="457200" y="4122881"/>
+            <a:ext cx="8229600" cy="461665"/>
           </a:xfrm>
           <a:prstGeom prst="rect">
             <a:avLst/>
@@ -6195,9 +8192,83 @@
           <a:lstStyle/>
           <a:p>
             <a:r>
-              <a:rPr lang="en-US" sz="1000"/>
-              <a:t>-</a:t>
-            </a:r>
+              <a:rPr lang="en-US" sz="1200" smtClean="0">
+                <a:latin typeface="+mn-lt"/>
+              </a:rPr>
+              <a:t>Vinod Kumar Soni</a:t>
+            </a:r>
+            <a:r>
+              <a:rPr lang="en-US" sz="1200" smtClean="0">
+                <a:latin typeface="+mn-lt"/>
+              </a:rPr>
+              <a:t>, </a:t>
+            </a:r>
+            <a:r>
+              <a:rPr lang="en-US" sz="1200" smtClean="0">
+                <a:latin typeface="+mn-lt"/>
+              </a:rPr>
+              <a:t>“Answer </a:t>
+            </a:r>
+            <a:r>
+              <a:rPr lang="en-US" sz="1200" smtClean="0">
+                <a:latin typeface="+mn-lt"/>
+              </a:rPr>
+              <a:t>to </a:t>
+            </a:r>
+            <a:r>
+              <a:rPr lang="en-US" sz="1200" smtClean="0">
+                <a:latin typeface="+mn-lt"/>
+              </a:rPr>
+              <a:t>What </a:t>
+            </a:r>
+            <a:r>
+              <a:rPr lang="en-US" sz="1200" smtClean="0">
+                <a:latin typeface="+mn-lt"/>
+              </a:rPr>
+              <a:t>is the difference between simulation </a:t>
+            </a:r>
+            <a:r>
+              <a:rPr lang="en-US" sz="1200" smtClean="0">
+                <a:latin typeface="+mn-lt"/>
+              </a:rPr>
+              <a:t>and </a:t>
+            </a:r>
+            <a:r>
+              <a:rPr lang="en-US" sz="1200" smtClean="0">
+                <a:latin typeface="+mn-lt"/>
+              </a:rPr>
+              <a:t>modeling?”, ResearchGate, 21 Feb 2020, </a:t>
+            </a:r>
+            <a:r>
+              <a:rPr lang="en-US" sz="1200" smtClean="0">
+                <a:latin typeface="+mn-lt"/>
+              </a:rPr>
+              <a:t>url </a:t>
+            </a:r>
+            <a:r>
+              <a:rPr lang="en-US" sz="1200" smtClean="0">
+                <a:solidFill>
+                  <a:srgbClr val="0070C0"/>
+                </a:solidFill>
+                <a:latin typeface="+mn-lt"/>
+              </a:rPr>
+              <a:t>https://www.researchgate.net/post/What_is_the_difference_between_simulation_and_modeling</a:t>
+            </a:r>
+            <a:r>
+              <a:rPr lang="en-US" sz="1200" smtClean="0">
+                <a:latin typeface="+mn-lt"/>
+              </a:rPr>
+              <a:t> </a:t>
+            </a:r>
+            <a:r>
+              <a:rPr lang="en-US" sz="1200" smtClean="0">
+                <a:latin typeface="+mn-lt"/>
+              </a:rPr>
+              <a:t>[20230519].</a:t>
+            </a:r>
+            <a:endParaRPr lang="en-US" sz="1200">
+              <a:latin typeface="+mn-lt"/>
+            </a:endParaRPr>
           </a:p>
         </p:txBody>
       </p:sp>
